--- a/JavaScript/RN原理.pptx
+++ b/JavaScript/RN原理.pptx
@@ -109,6 +109,11 @@
       </a:defRPr>
     </a:lvl9pPr>
   </p:defaultTextStyle>
+  <p:extLst>
+    <p:ext uri="{EFAFB233-063F-42B5-8137-9DF3F51BA10A}">
+      <p15:sldGuideLst xmlns:p15="http://schemas.microsoft.com/office/powerpoint/2012/main"/>
+    </p:ext>
+  </p:extLst>
 </p:presentation>
 </file>
 
@@ -259,7 +264,7 @@
           <a:p>
             <a:fld id="{02016DF1-A5D7-914E-A8D1-CC407BDABD53}" type="datetimeFigureOut">
               <a:rPr kumimoji="1" lang="zh-CN" altLang="en-US" smtClean="0"/>
-              <a:t>2022/8/28</a:t>
+              <a:t>2022/9/6</a:t>
             </a:fld>
             <a:endParaRPr kumimoji="1" lang="zh-CN" altLang="en-US"/>
           </a:p>
@@ -457,7 +462,7 @@
           <a:p>
             <a:fld id="{02016DF1-A5D7-914E-A8D1-CC407BDABD53}" type="datetimeFigureOut">
               <a:rPr kumimoji="1" lang="zh-CN" altLang="en-US" smtClean="0"/>
-              <a:t>2022/8/28</a:t>
+              <a:t>2022/9/6</a:t>
             </a:fld>
             <a:endParaRPr kumimoji="1" lang="zh-CN" altLang="en-US"/>
           </a:p>
@@ -665,7 +670,7 @@
           <a:p>
             <a:fld id="{02016DF1-A5D7-914E-A8D1-CC407BDABD53}" type="datetimeFigureOut">
               <a:rPr kumimoji="1" lang="zh-CN" altLang="en-US" smtClean="0"/>
-              <a:t>2022/8/28</a:t>
+              <a:t>2022/9/6</a:t>
             </a:fld>
             <a:endParaRPr kumimoji="1" lang="zh-CN" altLang="en-US"/>
           </a:p>
@@ -863,7 +868,7 @@
           <a:p>
             <a:fld id="{02016DF1-A5D7-914E-A8D1-CC407BDABD53}" type="datetimeFigureOut">
               <a:rPr kumimoji="1" lang="zh-CN" altLang="en-US" smtClean="0"/>
-              <a:t>2022/8/28</a:t>
+              <a:t>2022/9/6</a:t>
             </a:fld>
             <a:endParaRPr kumimoji="1" lang="zh-CN" altLang="en-US"/>
           </a:p>
@@ -1138,7 +1143,7 @@
           <a:p>
             <a:fld id="{02016DF1-A5D7-914E-A8D1-CC407BDABD53}" type="datetimeFigureOut">
               <a:rPr kumimoji="1" lang="zh-CN" altLang="en-US" smtClean="0"/>
-              <a:t>2022/8/28</a:t>
+              <a:t>2022/9/6</a:t>
             </a:fld>
             <a:endParaRPr kumimoji="1" lang="zh-CN" altLang="en-US"/>
           </a:p>
@@ -1403,7 +1408,7 @@
           <a:p>
             <a:fld id="{02016DF1-A5D7-914E-A8D1-CC407BDABD53}" type="datetimeFigureOut">
               <a:rPr kumimoji="1" lang="zh-CN" altLang="en-US" smtClean="0"/>
-              <a:t>2022/8/28</a:t>
+              <a:t>2022/9/6</a:t>
             </a:fld>
             <a:endParaRPr kumimoji="1" lang="zh-CN" altLang="en-US"/>
           </a:p>
@@ -1815,7 +1820,7 @@
           <a:p>
             <a:fld id="{02016DF1-A5D7-914E-A8D1-CC407BDABD53}" type="datetimeFigureOut">
               <a:rPr kumimoji="1" lang="zh-CN" altLang="en-US" smtClean="0"/>
-              <a:t>2022/8/28</a:t>
+              <a:t>2022/9/6</a:t>
             </a:fld>
             <a:endParaRPr kumimoji="1" lang="zh-CN" altLang="en-US"/>
           </a:p>
@@ -1956,7 +1961,7 @@
           <a:p>
             <a:fld id="{02016DF1-A5D7-914E-A8D1-CC407BDABD53}" type="datetimeFigureOut">
               <a:rPr kumimoji="1" lang="zh-CN" altLang="en-US" smtClean="0"/>
-              <a:t>2022/8/28</a:t>
+              <a:t>2022/9/6</a:t>
             </a:fld>
             <a:endParaRPr kumimoji="1" lang="zh-CN" altLang="en-US"/>
           </a:p>
@@ -2069,7 +2074,7 @@
           <a:p>
             <a:fld id="{02016DF1-A5D7-914E-A8D1-CC407BDABD53}" type="datetimeFigureOut">
               <a:rPr kumimoji="1" lang="zh-CN" altLang="en-US" smtClean="0"/>
-              <a:t>2022/8/28</a:t>
+              <a:t>2022/9/6</a:t>
             </a:fld>
             <a:endParaRPr kumimoji="1" lang="zh-CN" altLang="en-US"/>
           </a:p>
@@ -2380,7 +2385,7 @@
           <a:p>
             <a:fld id="{02016DF1-A5D7-914E-A8D1-CC407BDABD53}" type="datetimeFigureOut">
               <a:rPr kumimoji="1" lang="zh-CN" altLang="en-US" smtClean="0"/>
-              <a:t>2022/8/28</a:t>
+              <a:t>2022/9/6</a:t>
             </a:fld>
             <a:endParaRPr kumimoji="1" lang="zh-CN" altLang="en-US"/>
           </a:p>
@@ -2668,7 +2673,7 @@
           <a:p>
             <a:fld id="{02016DF1-A5D7-914E-A8D1-CC407BDABD53}" type="datetimeFigureOut">
               <a:rPr kumimoji="1" lang="zh-CN" altLang="en-US" smtClean="0"/>
-              <a:t>2022/8/28</a:t>
+              <a:t>2022/9/6</a:t>
             </a:fld>
             <a:endParaRPr kumimoji="1" lang="zh-CN" altLang="en-US"/>
           </a:p>
@@ -2909,7 +2914,7 @@
           <a:p>
             <a:fld id="{02016DF1-A5D7-914E-A8D1-CC407BDABD53}" type="datetimeFigureOut">
               <a:rPr kumimoji="1" lang="zh-CN" altLang="en-US" smtClean="0"/>
-              <a:t>2022/8/28</a:t>
+              <a:t>2022/9/6</a:t>
             </a:fld>
             <a:endParaRPr kumimoji="1" lang="zh-CN" altLang="en-US"/>
           </a:p>
@@ -4299,7 +4304,7 @@
         </p:nvSpPr>
         <p:spPr>
           <a:xfrm>
-            <a:off x="1593386" y="4388532"/>
+            <a:off x="1635331" y="4556182"/>
             <a:ext cx="4381948" cy="1611977"/>
           </a:xfrm>
           <a:prstGeom prst="roundRect">
@@ -4907,7 +4912,7 @@
         </p:nvSpPr>
         <p:spPr>
           <a:xfrm>
-            <a:off x="5127816" y="3042156"/>
+            <a:off x="6560476" y="3058008"/>
             <a:ext cx="598241" cy="369332"/>
           </a:xfrm>
           <a:prstGeom prst="rect">
@@ -4943,7 +4948,7 @@
         </p:nvSpPr>
         <p:spPr>
           <a:xfrm>
-            <a:off x="6204460" y="3016806"/>
+            <a:off x="5093209" y="3035784"/>
             <a:ext cx="803425" cy="369332"/>
           </a:xfrm>
           <a:prstGeom prst="rect">
@@ -5061,8 +5066,8 @@
         </p:nvSpPr>
         <p:spPr>
           <a:xfrm>
-            <a:off x="8147917" y="4776607"/>
-            <a:ext cx="2768642" cy="1352731"/>
+            <a:off x="8147917" y="4708901"/>
+            <a:ext cx="2768642" cy="1420438"/>
           </a:xfrm>
           <a:prstGeom prst="roundRect">
             <a:avLst/>
@@ -5121,7 +5126,7 @@
         <p:spPr>
           <a:xfrm>
             <a:off x="8365634" y="5314951"/>
-            <a:ext cx="664850" cy="542925"/>
+            <a:ext cx="630037" cy="581996"/>
           </a:xfrm>
           <a:prstGeom prst="smileyFace">
             <a:avLst/>
@@ -5166,7 +5171,7 @@
         </p:nvSpPr>
         <p:spPr>
           <a:xfrm>
-            <a:off x="7241754" y="5310097"/>
+            <a:off x="7315391" y="5547395"/>
             <a:ext cx="1015021" cy="369332"/>
           </a:xfrm>
           <a:prstGeom prst="rect">
@@ -5202,7 +5207,7 @@
         </p:nvSpPr>
         <p:spPr>
           <a:xfrm>
-            <a:off x="9429136" y="5401747"/>
+            <a:off x="9606821" y="5410400"/>
             <a:ext cx="877163" cy="369332"/>
           </a:xfrm>
           <a:prstGeom prst="rect">
@@ -5273,8 +5278,8 @@
         </p:nvSpPr>
         <p:spPr>
           <a:xfrm rot="3166291">
-            <a:off x="8456393" y="4275666"/>
-            <a:ext cx="500062" cy="476049"/>
+            <a:off x="8486673" y="4187256"/>
+            <a:ext cx="500062" cy="357968"/>
           </a:xfrm>
           <a:prstGeom prst="notchedRightArrow">
             <a:avLst/>
@@ -9862,7 +9867,7 @@
         <p:spPr>
           <a:xfrm>
             <a:off x="1771650" y="1386935"/>
-            <a:ext cx="2843213" cy="759358"/>
+            <a:ext cx="2389803" cy="759358"/>
           </a:xfrm>
           <a:prstGeom prst="rect">
             <a:avLst/>
@@ -10004,7 +10009,7 @@
         <p:spPr>
           <a:xfrm>
             <a:off x="1771650" y="5251715"/>
-            <a:ext cx="2843213" cy="759358"/>
+            <a:ext cx="2389803" cy="759358"/>
           </a:xfrm>
           <a:prstGeom prst="rect">
             <a:avLst/>
@@ -10052,8 +10057,8 @@
         </p:nvSpPr>
         <p:spPr>
           <a:xfrm>
-            <a:off x="1771649" y="3279242"/>
-            <a:ext cx="2843213" cy="759358"/>
+            <a:off x="1771650" y="3279242"/>
+            <a:ext cx="2389804" cy="759358"/>
           </a:xfrm>
           <a:prstGeom prst="rect">
             <a:avLst/>
@@ -10101,7 +10106,7 @@
         </p:nvSpPr>
         <p:spPr>
           <a:xfrm>
-            <a:off x="5051200" y="3235798"/>
+            <a:off x="4567694" y="3236884"/>
             <a:ext cx="2269337" cy="759358"/>
           </a:xfrm>
           <a:prstGeom prst="rect">
@@ -10150,7 +10155,7 @@
         </p:nvSpPr>
         <p:spPr>
           <a:xfrm>
-            <a:off x="5051200" y="1399377"/>
+            <a:off x="4567694" y="1400463"/>
             <a:ext cx="2090740" cy="759358"/>
           </a:xfrm>
           <a:prstGeom prst="rect">
@@ -10342,8 +10347,8 @@
         </p:nvSpPr>
         <p:spPr>
           <a:xfrm>
-            <a:off x="5001812" y="5251715"/>
-            <a:ext cx="2843213" cy="759358"/>
+            <a:off x="4567694" y="5251715"/>
+            <a:ext cx="2597902" cy="759358"/>
           </a:xfrm>
           <a:prstGeom prst="rect">
             <a:avLst/>
@@ -10399,7 +10404,7 @@
         </p:nvSpPr>
         <p:spPr>
           <a:xfrm rot="10800000">
-            <a:off x="5887480" y="4318574"/>
+            <a:off x="5403974" y="4319660"/>
             <a:ext cx="298388" cy="759346"/>
           </a:xfrm>
           <a:prstGeom prst="downArrow">
@@ -10445,7 +10450,7 @@
         </p:nvSpPr>
         <p:spPr>
           <a:xfrm rot="10800000">
-            <a:off x="5887480" y="2290396"/>
+            <a:off x="5403974" y="2291482"/>
             <a:ext cx="298388" cy="759346"/>
           </a:xfrm>
           <a:prstGeom prst="downArrow">
@@ -10499,7 +10504,7 @@
         </p:blipFill>
         <p:spPr>
           <a:xfrm>
-            <a:off x="7165596" y="1386935"/>
+            <a:off x="6837031" y="1398292"/>
             <a:ext cx="5156958" cy="759357"/>
           </a:xfrm>
           <a:prstGeom prst="rect">
@@ -10529,7 +10534,7 @@
         </p:blipFill>
         <p:spPr>
           <a:xfrm>
-            <a:off x="7558088" y="3131887"/>
+            <a:off x="7165596" y="3044641"/>
             <a:ext cx="4161623" cy="1134988"/>
           </a:xfrm>
           <a:prstGeom prst="rect">

--- a/JavaScript/RN原理.pptx
+++ b/JavaScript/RN原理.pptx
@@ -9129,7 +9129,7 @@
         <p:spPr>
           <a:xfrm>
             <a:off x="992521" y="5294590"/>
-            <a:ext cx="2222083" cy="369332"/>
+            <a:ext cx="2326278" cy="369332"/>
           </a:xfrm>
           <a:prstGeom prst="rect">
             <a:avLst/>
@@ -9148,7 +9148,7 @@
             </a:r>
             <a:r>
               <a:rPr kumimoji="1" lang="en-US" altLang="zh-CN" dirty="0" err="1"/>
-              <a:t>JavaSriptCore</a:t>
+              <a:t>JavaScriptCore</a:t>
             </a:r>
             <a:r>
               <a:rPr kumimoji="1" lang="zh-CN" altLang="en-US" dirty="0"/>
